--- a/StudentCatalog/DOCUMENTATION/Student Catalog.pptx
+++ b/StudentCatalog/DOCUMENTATION/Student Catalog.pptx
@@ -336,6 +336,7 @@
           <a:p>
             <a:fld id="{D6D6D0EF-9FAD-4BAA-8423-2CEA9CF56C09}" type="datetimeFigureOut">
               <a:rPr lang="en-US" smtClean="0"/>
+              <a:pPr/>
               <a:t>26-Feb-15</a:t>
             </a:fld>
             <a:endParaRPr lang="en-US"/>
@@ -375,6 +376,7 @@
           <a:p>
             <a:fld id="{13C1ECD7-1EDD-4FDF-AF17-4176535CDE12}" type="slidenum">
               <a:rPr lang="en-US" smtClean="0"/>
+              <a:pPr/>
               <a:t>‹#›</a:t>
             </a:fld>
             <a:endParaRPr lang="en-US"/>
@@ -530,6 +532,7 @@
           <a:p>
             <a:fld id="{D6D6D0EF-9FAD-4BAA-8423-2CEA9CF56C09}" type="datetimeFigureOut">
               <a:rPr lang="en-US" smtClean="0"/>
+              <a:pPr/>
               <a:t>26-Feb-15</a:t>
             </a:fld>
             <a:endParaRPr lang="en-US"/>
@@ -576,6 +579,7 @@
           <a:p>
             <a:fld id="{13C1ECD7-1EDD-4FDF-AF17-4176535CDE12}" type="slidenum">
               <a:rPr lang="en-US" smtClean="0"/>
+              <a:pPr/>
               <a:t>‹#›</a:t>
             </a:fld>
             <a:endParaRPr lang="en-US"/>
@@ -718,6 +722,7 @@
           <a:p>
             <a:fld id="{D6D6D0EF-9FAD-4BAA-8423-2CEA9CF56C09}" type="datetimeFigureOut">
               <a:rPr lang="en-US" smtClean="0"/>
+              <a:pPr/>
               <a:t>26-Feb-15</a:t>
             </a:fld>
             <a:endParaRPr lang="en-US"/>
@@ -764,6 +769,7 @@
           <a:p>
             <a:fld id="{13C1ECD7-1EDD-4FDF-AF17-4176535CDE12}" type="slidenum">
               <a:rPr lang="en-US" smtClean="0"/>
+              <a:pPr/>
               <a:t>‹#›</a:t>
             </a:fld>
             <a:endParaRPr lang="en-US"/>
@@ -947,6 +953,7 @@
           <a:p>
             <a:fld id="{D6D6D0EF-9FAD-4BAA-8423-2CEA9CF56C09}" type="datetimeFigureOut">
               <a:rPr lang="en-US" smtClean="0"/>
+              <a:pPr/>
               <a:t>26-Feb-15</a:t>
             </a:fld>
             <a:endParaRPr lang="en-US"/>
@@ -993,6 +1000,7 @@
           <a:p>
             <a:fld id="{13C1ECD7-1EDD-4FDF-AF17-4176535CDE12}" type="slidenum">
               <a:rPr lang="en-US" smtClean="0"/>
+              <a:pPr/>
               <a:t>‹#›</a:t>
             </a:fld>
             <a:endParaRPr lang="en-US"/>
@@ -1228,6 +1236,7 @@
           <a:p>
             <a:fld id="{D6D6D0EF-9FAD-4BAA-8423-2CEA9CF56C09}" type="datetimeFigureOut">
               <a:rPr lang="en-US" smtClean="0"/>
+              <a:pPr/>
               <a:t>26-Feb-15</a:t>
             </a:fld>
             <a:endParaRPr lang="en-US"/>
@@ -1267,6 +1276,7 @@
           <a:p>
             <a:fld id="{13C1ECD7-1EDD-4FDF-AF17-4176535CDE12}" type="slidenum">
               <a:rPr lang="en-US" smtClean="0"/>
+              <a:pPr/>
               <a:t>‹#›</a:t>
             </a:fld>
             <a:endParaRPr lang="en-US"/>
@@ -1516,6 +1526,7 @@
           <a:p>
             <a:fld id="{D6D6D0EF-9FAD-4BAA-8423-2CEA9CF56C09}" type="datetimeFigureOut">
               <a:rPr lang="en-US" smtClean="0"/>
+              <a:pPr/>
               <a:t>26-Feb-15</a:t>
             </a:fld>
             <a:endParaRPr lang="en-US"/>
@@ -1567,6 +1578,7 @@
           <a:p>
             <a:fld id="{13C1ECD7-1EDD-4FDF-AF17-4176535CDE12}" type="slidenum">
               <a:rPr lang="en-US" smtClean="0"/>
+              <a:pPr/>
               <a:t>‹#›</a:t>
             </a:fld>
             <a:endParaRPr lang="en-US"/>
@@ -2070,6 +2082,7 @@
           <a:p>
             <a:fld id="{D6D6D0EF-9FAD-4BAA-8423-2CEA9CF56C09}" type="datetimeFigureOut">
               <a:rPr lang="en-US" smtClean="0"/>
+              <a:pPr/>
               <a:t>26-Feb-15</a:t>
             </a:fld>
             <a:endParaRPr lang="en-US"/>
@@ -2121,6 +2134,7 @@
           <a:p>
             <a:fld id="{13C1ECD7-1EDD-4FDF-AF17-4176535CDE12}" type="slidenum">
               <a:rPr lang="en-US" smtClean="0"/>
+              <a:pPr/>
               <a:t>‹#›</a:t>
             </a:fld>
             <a:endParaRPr lang="en-US"/>
@@ -2201,6 +2215,7 @@
           <a:p>
             <a:fld id="{D6D6D0EF-9FAD-4BAA-8423-2CEA9CF56C09}" type="datetimeFigureOut">
               <a:rPr lang="en-US" smtClean="0"/>
+              <a:pPr/>
               <a:t>26-Feb-15</a:t>
             </a:fld>
             <a:endParaRPr lang="en-US"/>
@@ -2247,6 +2262,7 @@
           <a:p>
             <a:fld id="{13C1ECD7-1EDD-4FDF-AF17-4176535CDE12}" type="slidenum">
               <a:rPr lang="en-US" smtClean="0"/>
+              <a:pPr/>
               <a:t>‹#›</a:t>
             </a:fld>
             <a:endParaRPr lang="en-US"/>
@@ -2351,6 +2367,7 @@
           <a:p>
             <a:fld id="{D6D6D0EF-9FAD-4BAA-8423-2CEA9CF56C09}" type="datetimeFigureOut">
               <a:rPr lang="en-US" smtClean="0"/>
+              <a:pPr/>
               <a:t>26-Feb-15</a:t>
             </a:fld>
             <a:endParaRPr lang="en-US"/>
@@ -2397,6 +2414,7 @@
           <a:p>
             <a:fld id="{13C1ECD7-1EDD-4FDF-AF17-4176535CDE12}" type="slidenum">
               <a:rPr lang="en-US" smtClean="0"/>
+              <a:pPr/>
               <a:t>‹#›</a:t>
             </a:fld>
             <a:endParaRPr lang="en-US"/>
@@ -2672,6 +2690,7 @@
           <a:p>
             <a:fld id="{D6D6D0EF-9FAD-4BAA-8423-2CEA9CF56C09}" type="datetimeFigureOut">
               <a:rPr lang="en-US" smtClean="0"/>
+              <a:pPr/>
               <a:t>26-Feb-15</a:t>
             </a:fld>
             <a:endParaRPr lang="en-US"/>
@@ -2711,6 +2730,7 @@
           <a:p>
             <a:fld id="{13C1ECD7-1EDD-4FDF-AF17-4176535CDE12}" type="slidenum">
               <a:rPr lang="en-US" smtClean="0"/>
+              <a:pPr/>
               <a:t>‹#›</a:t>
             </a:fld>
             <a:endParaRPr lang="en-US"/>
@@ -2969,6 +2989,7 @@
           <a:p>
             <a:fld id="{D6D6D0EF-9FAD-4BAA-8423-2CEA9CF56C09}" type="datetimeFigureOut">
               <a:rPr lang="en-US" smtClean="0"/>
+              <a:pPr/>
               <a:t>26-Feb-15</a:t>
             </a:fld>
             <a:endParaRPr lang="en-US"/>
@@ -3008,6 +3029,7 @@
           <a:p>
             <a:fld id="{13C1ECD7-1EDD-4FDF-AF17-4176535CDE12}" type="slidenum">
               <a:rPr lang="en-US" smtClean="0"/>
+              <a:pPr/>
               <a:t>‹#›</a:t>
             </a:fld>
             <a:endParaRPr lang="en-US"/>
@@ -3214,6 +3236,7 @@
           <a:p>
             <a:fld id="{D6D6D0EF-9FAD-4BAA-8423-2CEA9CF56C09}" type="datetimeFigureOut">
               <a:rPr lang="en-US" smtClean="0"/>
+              <a:pPr/>
               <a:t>26-Feb-15</a:t>
             </a:fld>
             <a:endParaRPr lang="en-US"/>
@@ -3257,6 +3280,7 @@
           <a:p>
             <a:fld id="{13C1ECD7-1EDD-4FDF-AF17-4176535CDE12}" type="slidenum">
               <a:rPr lang="en-US" smtClean="0"/>
+              <a:pPr/>
               <a:t>‹#›</a:t>
             </a:fld>
             <a:endParaRPr lang="en-US"/>
@@ -3740,6 +3764,33 @@
           <a:bodyPr/>
           <a:lstStyle/>
           <a:p>
+            <a:r>
+              <a:rPr lang="en-US" dirty="0" smtClean="0"/>
+              <a:t>M</a:t>
+            </a:r>
+            <a:r>
+              <a:rPr lang="vi-VN" dirty="0" smtClean="0"/>
+              <a:t>ă</a:t>
+            </a:r>
+            <a:r>
+              <a:rPr lang="en-US" dirty="0" err="1" smtClean="0"/>
+              <a:t>nic</a:t>
+            </a:r>
+            <a:r>
+              <a:rPr lang="vi-VN" dirty="0" smtClean="0"/>
+              <a:t>ă</a:t>
+            </a:r>
+            <a:r>
+              <a:rPr lang="en-US" dirty="0" smtClean="0"/>
+              <a:t> </a:t>
+            </a:r>
+            <a:r>
+              <a:rPr lang="en-US" dirty="0" err="1" smtClean="0"/>
+              <a:t>Mihai</a:t>
+            </a:r>
+            <a:endParaRPr lang="en-US" smtClean="0"/>
+          </a:p>
+          <a:p>
             <a:endParaRPr lang="en-US" dirty="0"/>
           </a:p>
         </p:txBody>
@@ -3810,11 +3861,7 @@
             </a:br>
             <a:r>
               <a:rPr lang="en-US" b="1" dirty="0" smtClean="0"/>
-              <a:t>Scenario: Login </a:t>
-            </a:r>
-            <a:r>
-              <a:rPr lang="en-US" b="1" dirty="0" smtClean="0"/>
-              <a:t>successful</a:t>
+              <a:t>Scenario: Login successful</a:t>
             </a:r>
             <a:endParaRPr lang="en-US" dirty="0"/>
           </a:p>
@@ -3909,11 +3956,7 @@
             </a:br>
             <a:r>
               <a:rPr lang="en-US" b="1" dirty="0" smtClean="0"/>
-              <a:t>Scenario: Login </a:t>
-            </a:r>
-            <a:r>
-              <a:rPr lang="en-US" b="1" dirty="0" smtClean="0"/>
-              <a:t>unsuccessful</a:t>
+              <a:t>Scenario: Login unsuccessful</a:t>
             </a:r>
             <a:endParaRPr lang="en-US" dirty="0"/>
           </a:p>
@@ -4071,11 +4114,7 @@
           <a:p>
             <a:r>
               <a:rPr lang="en-US" dirty="0" smtClean="0"/>
-              <a:t>Database </a:t>
-            </a:r>
-            <a:r>
-              <a:rPr lang="en-US" dirty="0" smtClean="0"/>
-              <a:t>diagram(normalized)</a:t>
+              <a:t>Database diagram(normalized)</a:t>
             </a:r>
             <a:endParaRPr lang="en-US" dirty="0"/>
           </a:p>
@@ -4190,11 +4229,7 @@
             </a:pPr>
             <a:r>
               <a:rPr lang="en-US" sz="3400" dirty="0" smtClean="0"/>
-              <a:t>-- </a:t>
-            </a:r>
-            <a:r>
-              <a:rPr lang="en-US" sz="3400" dirty="0" smtClean="0"/>
-              <a:t>Dumping database structure for </a:t>
+              <a:t>-- Dumping database structure for </a:t>
             </a:r>
             <a:r>
               <a:rPr lang="en-US" sz="3400" dirty="0" err="1" smtClean="0"/>
@@ -4530,11 +4565,7 @@
             </a:r>
             <a:r>
               <a:rPr lang="en-US" dirty="0" smtClean="0"/>
-              <a:t> </a:t>
-            </a:r>
-            <a:r>
-              <a:rPr lang="en-US" dirty="0" smtClean="0"/>
-              <a:t>script(continuation) </a:t>
+              <a:t> script(continuation) </a:t>
             </a:r>
             <a:endParaRPr lang="en-US" dirty="0"/>
           </a:p>
@@ -4703,13 +4734,8 @@
             </a:r>
             <a:r>
               <a:rPr lang="en-US" sz="1400" dirty="0" smtClean="0"/>
-              <a:t> DEFAULT CHARSET=latin1</a:t>
-            </a:r>
-            <a:r>
-              <a:rPr lang="en-US" sz="1400" dirty="0" smtClean="0"/>
-              <a:t>;</a:t>
-            </a:r>
-            <a:endParaRPr lang="en-US" sz="1400" dirty="0" smtClean="0"/>
+              <a:t> DEFAULT CHARSET=latin1;</a:t>
+            </a:r>
           </a:p>
           <a:p>
             <a:pPr>
@@ -5691,15 +5717,7 @@
             </a:r>
             <a:r>
               <a:rPr lang="en-US" i="1" dirty="0" smtClean="0"/>
-              <a:t> script, and let the “hibernate.hbm2ddl.auto” property to “validate”).  After the first run, you must change this property back to “validate”, or else the program will drop and recreate the tables on each program run(</a:t>
-            </a:r>
-            <a:r>
-              <a:rPr lang="en-US" i="1" dirty="0" smtClean="0"/>
-              <a:t>stored </a:t>
-            </a:r>
-            <a:r>
-              <a:rPr lang="en-US" i="1" dirty="0" smtClean="0"/>
-              <a:t> data will be lost).</a:t>
+              <a:t> script, and let the “hibernate.hbm2ddl.auto” property to “validate”).  After the first run, you must change this property back to “validate”, or else the program will drop and recreate the tables on each program run(stored  data will be lost).</a:t>
             </a:r>
             <a:endParaRPr lang="en-US" dirty="0" smtClean="0"/>
           </a:p>
@@ -5715,15 +5733,7 @@
             </a:r>
             <a:r>
               <a:rPr lang="en-US" i="1" dirty="0" smtClean="0"/>
-              <a:t>[</a:t>
-            </a:r>
-            <a:r>
-              <a:rPr lang="en-US" i="1" dirty="0" smtClean="0"/>
-              <a:t>A-Z][0-9a-zA-Z</a:t>
-            </a:r>
-            <a:r>
-              <a:rPr lang="en-US" i="1" dirty="0" smtClean="0"/>
-              <a:t>]{5,}</a:t>
+              <a:t>[A-Z][0-9a-zA-Z]{5,}</a:t>
             </a:r>
             <a:r>
               <a:rPr lang="en-US" dirty="0" smtClean="0"/>
@@ -5751,15 +5761,7 @@
             </a:r>
             <a:r>
               <a:rPr lang="en-US" dirty="0" smtClean="0"/>
-              <a:t> must be longer than </a:t>
-            </a:r>
-            <a:r>
-              <a:rPr lang="en-US" dirty="0" smtClean="0"/>
-              <a:t>2</a:t>
-            </a:r>
-            <a:r>
-              <a:rPr lang="en-US" dirty="0" smtClean="0"/>
-              <a:t> chars).  </a:t>
+              <a:t> must be longer than 2 chars).  </a:t>
             </a:r>
           </a:p>
           <a:p>
@@ -5770,15 +5772,7 @@
             <a:pPr algn="just"/>
             <a:r>
               <a:rPr lang="en-US" dirty="0" smtClean="0"/>
-              <a:t>Now </a:t>
-            </a:r>
-            <a:r>
-              <a:rPr lang="en-US" dirty="0" smtClean="0"/>
-              <a:t>the program can be </a:t>
-            </a:r>
-            <a:r>
-              <a:rPr lang="en-US" dirty="0" smtClean="0"/>
-              <a:t>deployed and </a:t>
+              <a:t>Now the program can be deployed and </a:t>
             </a:r>
             <a:r>
               <a:rPr lang="en-US" dirty="0" err="1" smtClean="0"/>
@@ -6007,11 +6001,7 @@
             </a:pPr>
             <a:r>
               <a:rPr lang="en-US" sz="1800" b="1" dirty="0" smtClean="0"/>
-              <a:t>	</a:t>
-            </a:r>
-            <a:r>
-              <a:rPr lang="en-US" sz="1800" b="1" dirty="0" smtClean="0"/>
-              <a:t>	</a:t>
+              <a:t>		</a:t>
             </a:r>
             <a:r>
               <a:rPr lang="en-US" sz="1800" b="1" u="sng" dirty="0" smtClean="0"/>
@@ -6032,13 +6022,8 @@
             </a:r>
             <a:r>
               <a:rPr lang="en-US" sz="1800" dirty="0" smtClean="0"/>
-              <a:t>: </a:t>
-            </a:r>
-            <a:r>
-              <a:rPr lang="en-US" sz="1800" dirty="0" smtClean="0"/>
-              <a:t>Student(User).</a:t>
-            </a:r>
-            <a:endParaRPr lang="en-US" sz="1800" dirty="0" smtClean="0"/>
+              <a:t>: Student(User).</a:t>
+            </a:r>
           </a:p>
           <a:p>
             <a:pPr>
@@ -6080,85 +6065,8 @@
             </a:r>
             <a:r>
               <a:rPr lang="en-US" sz="1750" dirty="0" smtClean="0"/>
-              <a:t>If the </a:t>
-            </a:r>
-            <a:r>
-              <a:rPr lang="en-US" sz="1750" dirty="0" smtClean="0"/>
-              <a:t>student choose </a:t>
-            </a:r>
-            <a:r>
-              <a:rPr lang="en-US" sz="1750" dirty="0" smtClean="0"/>
-              <a:t>to register a new </a:t>
-            </a:r>
-            <a:r>
-              <a:rPr lang="en-US" sz="1750" dirty="0" smtClean="0"/>
-              <a:t>account, </a:t>
-            </a:r>
-            <a:r>
-              <a:rPr lang="en-US" sz="1750" dirty="0" smtClean="0"/>
-              <a:t>the application will </a:t>
-            </a:r>
-            <a:r>
-              <a:rPr lang="en-US" sz="1750" dirty="0" smtClean="0"/>
-              <a:t>send him to a new page containing </a:t>
-            </a:r>
-            <a:r>
-              <a:rPr lang="en-US" sz="1750" dirty="0" smtClean="0"/>
-              <a:t>text fields for the username, </a:t>
-            </a:r>
-            <a:r>
-              <a:rPr lang="en-US" sz="1750" dirty="0" smtClean="0"/>
-              <a:t>password, phone email</a:t>
-            </a:r>
-            <a:r>
-              <a:rPr lang="en-US" sz="1750" dirty="0" smtClean="0"/>
-              <a:t>, </a:t>
-            </a:r>
-            <a:r>
-              <a:rPr lang="en-US" sz="1750" dirty="0" smtClean="0"/>
-              <a:t>first name and last name. </a:t>
-            </a:r>
-            <a:r>
-              <a:rPr lang="en-US" sz="1750" dirty="0" smtClean="0"/>
-              <a:t>In order </a:t>
-            </a:r>
-            <a:r>
-              <a:rPr lang="en-US" sz="1750" dirty="0" smtClean="0"/>
-              <a:t>to </a:t>
-            </a:r>
-            <a:r>
-              <a:rPr lang="en-US" sz="1750" dirty="0" smtClean="0"/>
-              <a:t>register a new profile the user must provide the requested data. Once the data is </a:t>
-            </a:r>
-            <a:r>
-              <a:rPr lang="en-US" sz="1750" dirty="0" smtClean="0"/>
-              <a:t>provided</a:t>
-            </a:r>
-            <a:r>
-              <a:rPr lang="en-US" sz="1750" dirty="0" smtClean="0"/>
-              <a:t>, the register button becomes available, allowing the user to click it. Once clicked </a:t>
-            </a:r>
-            <a:r>
-              <a:rPr lang="en-US" sz="1750" dirty="0" smtClean="0"/>
-              <a:t>the </a:t>
-            </a:r>
-            <a:r>
-              <a:rPr lang="en-US" sz="1750" dirty="0" smtClean="0"/>
-              <a:t>“Register” button, the application will validate data, and create a new account if </a:t>
-            </a:r>
-            <a:r>
-              <a:rPr lang="en-US" sz="1750" dirty="0" smtClean="0"/>
-              <a:t>everything </a:t>
-            </a:r>
-            <a:r>
-              <a:rPr lang="en-US" sz="1750" dirty="0" smtClean="0"/>
-              <a:t>is </a:t>
-            </a:r>
-            <a:r>
-              <a:rPr lang="en-US" sz="1750" dirty="0" smtClean="0"/>
-              <a:t>ok, redirecting the user to Login page.</a:t>
-            </a:r>
-            <a:endParaRPr lang="en-US" sz="1750" dirty="0" smtClean="0"/>
+              <a:t>If the student choose to register a new account, the application will send him to a new page containing text fields for the username, password, phone email, first name and last name. In order to register a new profile the user must provide the requested data. Once the data is provided, the register button becomes available, allowing the user to click it. Once clicked the “Register” button, the application will validate data, and create a new account if everything is ok, redirecting the user to Login page.</a:t>
+            </a:r>
           </a:p>
           <a:p>
             <a:pPr>
@@ -6170,32 +6078,16 @@
             </a:r>
             <a:r>
               <a:rPr lang="en-US" sz="1750" dirty="0" smtClean="0"/>
-              <a:t>: If the information provided is valid, the new profile is saved in the </a:t>
-            </a:r>
+              <a:t>: If the information provided is valid, the new profile is saved in the database and the user can now login into the application.</a:t>
+            </a:r>
+          </a:p>
+          <a:p>
+            <a:pPr>
+              <a:buNone/>
+            </a:pPr>
             <a:r>
               <a:rPr lang="en-US" sz="1750" dirty="0" smtClean="0"/>
-              <a:t>database </a:t>
-            </a:r>
-            <a:r>
-              <a:rPr lang="en-US" sz="1750" dirty="0" smtClean="0"/>
-              <a:t>and the user can now login into the application</a:t>
-            </a:r>
-            <a:r>
-              <a:rPr lang="en-US" sz="1750" dirty="0" smtClean="0"/>
-              <a:t>.</a:t>
-            </a:r>
-          </a:p>
-          <a:p>
-            <a:pPr>
-              <a:buNone/>
-            </a:pPr>
-            <a:r>
-              <a:rPr lang="en-US" sz="1750" dirty="0" smtClean="0"/>
-              <a:t>Invalid first name/last name:  If the  names  are not longer than 2 chars, </a:t>
-            </a:r>
-            <a:r>
-              <a:rPr lang="en-US" sz="1750" dirty="0" smtClean="0"/>
-              <a:t>an error message is  displayed asking the user to correct the issue.</a:t>
+              <a:t>Invalid first name/last name:  If the  names  are not longer than 2 chars, an error message is  displayed asking the user to correct the issue.</a:t>
             </a:r>
           </a:p>
           <a:p>
@@ -6208,15 +6100,7 @@
             </a:r>
             <a:r>
               <a:rPr lang="en-US" sz="1750" dirty="0" smtClean="0"/>
-              <a:t>: If the username is already in use, an message is displayed asking </a:t>
-            </a:r>
-            <a:r>
-              <a:rPr lang="en-US" sz="1750" dirty="0" smtClean="0"/>
-              <a:t>the user </a:t>
-            </a:r>
-            <a:r>
-              <a:rPr lang="en-US" sz="1750" dirty="0" smtClean="0"/>
-              <a:t>to choose a new username.</a:t>
+              <a:t>: If the username is already in use, an message is displayed asking the user to choose a new username.</a:t>
             </a:r>
           </a:p>
           <a:p>
@@ -6229,15 +6113,7 @@
             </a:r>
             <a:r>
               <a:rPr lang="en-US" sz="1750" dirty="0" smtClean="0"/>
-              <a:t>: If the email is already in use or it is not a valid one, an error message is </a:t>
-            </a:r>
-            <a:r>
-              <a:rPr lang="en-US" sz="1750" dirty="0" smtClean="0"/>
-              <a:t> displayed </a:t>
-            </a:r>
-            <a:r>
-              <a:rPr lang="en-US" sz="1750" dirty="0" smtClean="0"/>
-              <a:t>asking the user to correct the issue.</a:t>
+              <a:t>: If the email is already in use or it is not a valid one, an error message is  displayed asking the user to correct the issue.</a:t>
             </a:r>
           </a:p>
           <a:p>
@@ -6266,19 +6142,7 @@
             </a:r>
             <a:r>
               <a:rPr lang="en-US" sz="1750" dirty="0" smtClean="0"/>
-              <a:t>”, </a:t>
-            </a:r>
-            <a:r>
-              <a:rPr lang="en-US" sz="1750" dirty="0" smtClean="0"/>
-              <a:t>an error message is displayed asking the user to correct the issue</a:t>
-            </a:r>
-            <a:r>
-              <a:rPr lang="en-US" sz="1750" dirty="0" smtClean="0"/>
-              <a:t>.</a:t>
-            </a:r>
-            <a:r>
-              <a:rPr lang="en-US" sz="1750" dirty="0" smtClean="0"/>
-              <a:t> </a:t>
+              <a:t>”, an error message is displayed asking the user to correct the issue. </a:t>
             </a:r>
           </a:p>
           <a:p>
@@ -6291,15 +6155,7 @@
             </a:r>
             <a:r>
               <a:rPr lang="en-US" sz="1750" dirty="0" smtClean="0"/>
-              <a:t> If any of the fields are empty, an error message will be displayed asking the user </a:t>
-            </a:r>
-            <a:r>
-              <a:rPr lang="en-US" sz="1750" dirty="0" smtClean="0"/>
-              <a:t>to </a:t>
-            </a:r>
-            <a:r>
-              <a:rPr lang="en-US" sz="1750" dirty="0" smtClean="0"/>
-              <a:t>correct the issue.</a:t>
+              <a:t> If any of the fields are empty, an error message will be displayed asking the user to correct the issue.</a:t>
             </a:r>
           </a:p>
           <a:p>
@@ -6366,19 +6222,11 @@
             </a:pPr>
             <a:r>
               <a:rPr lang="en-US" sz="2200" b="1" dirty="0" smtClean="0"/>
-              <a:t>	</a:t>
-            </a:r>
-            <a:r>
-              <a:rPr lang="en-US" sz="2200" b="1" dirty="0" smtClean="0"/>
-              <a:t>	</a:t>
+              <a:t>		</a:t>
             </a:r>
             <a:r>
               <a:rPr lang="en-US" sz="2200" b="1" u="sng" dirty="0" smtClean="0"/>
-              <a:t>Login</a:t>
-            </a:r>
-            <a:r>
-              <a:rPr lang="en-US" sz="2200" b="1" u="sng" dirty="0" smtClean="0"/>
-              <a:t>:</a:t>
+              <a:t>Login:</a:t>
             </a:r>
             <a:endParaRPr lang="en-US" sz="2200" dirty="0" smtClean="0"/>
           </a:p>
@@ -6405,15 +6253,7 @@
             </a:r>
             <a:r>
               <a:rPr lang="en-US" sz="2200" dirty="0" smtClean="0"/>
-              <a:t>: The profile used must already exist in the database and the credentials must be </a:t>
-            </a:r>
-            <a:r>
-              <a:rPr lang="en-US" sz="2200" dirty="0" smtClean="0"/>
-              <a:t>valid</a:t>
-            </a:r>
-            <a:r>
-              <a:rPr lang="en-US" sz="2200" dirty="0" smtClean="0"/>
-              <a:t>.</a:t>
+              <a:t>: The profile used must already exist in the database and the credentials must be valid.</a:t>
             </a:r>
           </a:p>
           <a:p>
@@ -6443,27 +6283,11 @@
             </a:r>
             <a:r>
               <a:rPr lang="en-US" sz="2200" dirty="0" err="1" smtClean="0"/>
-              <a:t>appli</a:t>
-            </a:r>
-            <a:r>
-              <a:rPr lang="en-US" sz="2200" dirty="0" err="1" smtClean="0"/>
-              <a:t>-</a:t>
-            </a:r>
-            <a:r>
-              <a:rPr lang="en-US" sz="2200" dirty="0" err="1" smtClean="0"/>
-              <a:t>cation</a:t>
+              <a:t>appli-cation</a:t>
             </a:r>
             <a:r>
               <a:rPr lang="en-US" sz="2200" dirty="0" smtClean="0"/>
-              <a:t> </a:t>
-            </a:r>
-            <a:r>
-              <a:rPr lang="en-US" sz="2200" dirty="0" smtClean="0"/>
-              <a:t>will verify if the credentials exists in database, and if they are correct the application will log in the user</a:t>
-            </a:r>
-            <a:r>
-              <a:rPr lang="en-US" sz="2200" dirty="0" smtClean="0"/>
-              <a:t>.</a:t>
+              <a:t> will verify if the credentials exists in database, and if they are correct the application will log in the user.</a:t>
             </a:r>
           </a:p>
           <a:p>
@@ -6490,15 +6314,7 @@
             </a:r>
             <a:r>
               <a:rPr lang="en-US" sz="2200" dirty="0" smtClean="0"/>
-              <a:t>the username and the password provided by the user are correct, the </a:t>
-            </a:r>
-            <a:r>
-              <a:rPr lang="en-US" sz="2200" dirty="0" smtClean="0"/>
-              <a:t>application </a:t>
-            </a:r>
-            <a:r>
-              <a:rPr lang="en-US" sz="2200" dirty="0" smtClean="0"/>
-              <a:t>will open the roadmap view.</a:t>
+              <a:t>the username and the password provided by the user are correct, the application will open the roadmap view.</a:t>
             </a:r>
           </a:p>
           <a:p>
@@ -6511,15 +6327,7 @@
             </a:r>
             <a:r>
               <a:rPr lang="en-US" sz="2200" dirty="0" smtClean="0"/>
-              <a:t>If the username or  password were incorrect, an </a:t>
-            </a:r>
-            <a:r>
-              <a:rPr lang="en-US" sz="2200" dirty="0" smtClean="0"/>
-              <a:t>error </a:t>
-            </a:r>
-            <a:r>
-              <a:rPr lang="en-US" sz="2200" dirty="0" smtClean="0"/>
-              <a:t>message will be displayed to inform the user, and the text boxes will be cleared.</a:t>
+              <a:t>If the username or  password were incorrect, an error message will be displayed to inform the user, and the text boxes will be cleared.</a:t>
             </a:r>
           </a:p>
           <a:p>
@@ -6532,15 +6340,7 @@
             </a:r>
             <a:r>
               <a:rPr lang="en-US" sz="2200" dirty="0" smtClean="0"/>
-              <a:t>if the username or password fields are not completed, an error message will </a:t>
-            </a:r>
-            <a:r>
-              <a:rPr lang="en-US" sz="2200" dirty="0" smtClean="0"/>
-              <a:t>be </a:t>
-            </a:r>
-            <a:r>
-              <a:rPr lang="en-US" sz="2200" dirty="0" smtClean="0"/>
-              <a:t>displayed to inform the user.</a:t>
+              <a:t>if the username or password fields are not completed, an error message will be displayed to inform the user.</a:t>
             </a:r>
             <a:endParaRPr lang="en-US" sz="2200" dirty="0"/>
           </a:p>
@@ -6608,11 +6408,7 @@
             </a:br>
             <a:r>
               <a:rPr lang="en-US" b="1" dirty="0" smtClean="0"/>
-              <a:t>Scenario: Register </a:t>
-            </a:r>
-            <a:r>
-              <a:rPr lang="en-US" b="1" dirty="0" smtClean="0"/>
-              <a:t>successful</a:t>
+              <a:t>Scenario: Register successful</a:t>
             </a:r>
             <a:endParaRPr lang="en-US" dirty="0"/>
           </a:p>
@@ -6708,11 +6504,7 @@
             </a:br>
             <a:r>
               <a:rPr lang="en-US" b="1" dirty="0" smtClean="0"/>
-              <a:t>Scenario: Register </a:t>
-            </a:r>
-            <a:r>
-              <a:rPr lang="en-US" b="1" dirty="0" smtClean="0"/>
-              <a:t>unsuccessful</a:t>
+              <a:t>Scenario: Register unsuccessful</a:t>
             </a:r>
             <a:endParaRPr lang="en-US" dirty="0"/>
           </a:p>

--- a/StudentCatalog/DOCUMENTATION/Student Catalog.pptx
+++ b/StudentCatalog/DOCUMENTATION/Student Catalog.pptx
@@ -3759,9 +3759,16 @@
             <p:ph type="subTitle" idx="1"/>
           </p:nvPr>
         </p:nvSpPr>
-        <p:spPr/>
-        <p:txBody>
-          <a:bodyPr/>
+        <p:spPr>
+          <a:xfrm>
+            <a:off x="0" y="2819400"/>
+            <a:ext cx="8915400" cy="1752600"/>
+          </a:xfrm>
+        </p:spPr>
+        <p:txBody>
+          <a:bodyPr>
+            <a:normAutofit fontScale="92500"/>
+          </a:bodyPr>
           <a:lstStyle/>
           <a:p>
             <a:r>
@@ -3788,9 +3795,16 @@
               <a:rPr lang="en-US" dirty="0" err="1" smtClean="0"/>
               <a:t>Mihai</a:t>
             </a:r>
-            <a:endParaRPr lang="en-US" smtClean="0"/>
-          </a:p>
-          <a:p>
+            <a:endParaRPr lang="en-US" dirty="0" smtClean="0"/>
+          </a:p>
+          <a:p>
+            <a:endParaRPr lang="en-US" dirty="0" smtClean="0"/>
+          </a:p>
+          <a:p>
+            <a:r>
+              <a:rPr lang="en-US" dirty="0" smtClean="0"/>
+              <a:t>https://github.com/ManicaMihai/StudentCatalog</a:t>
+            </a:r>
             <a:endParaRPr lang="en-US" dirty="0"/>
           </a:p>
         </p:txBody>
